--- a/Soft Skill/Assignment 3/Campus to corporate ppt.pptx
+++ b/Soft Skill/Assignment 3/Campus to corporate ppt.pptx
@@ -227,6 +227,34 @@
 <p188:authorLst xmlns:a="http://schemas.openxmlformats.org/drawingml/2006/main" xmlns:r="http://schemas.openxmlformats.org/officeDocument/2006/relationships" xmlns:p188="http://schemas.microsoft.com/office/powerpoint/2018/8/main">
   <p188:author id="{00000000-0000-0000-0000-000000000000}" name="Author" initials="A" userId="Author" providerId="AD"/>
 </p188:authorLst>
+</file>
+
+<file path=ppt/changesInfos/changesInfo1.xml><?xml version="1.0" encoding="utf-8"?>
+<pc:chgInfo xmlns:a="http://schemas.openxmlformats.org/drawingml/2006/main" xmlns:r="http://schemas.openxmlformats.org/officeDocument/2006/relationships" xmlns:ac="http://schemas.microsoft.com/office/drawing/2013/main/command" xmlns:pc="http://schemas.microsoft.com/office/powerpoint/2013/main/command">
+  <pc:docChgLst>
+    <pc:chgData name="saloni yadav" userId="b8d860a0715f03e7" providerId="LiveId" clId="{E7E6963D-A990-4BB7-ABCB-53E28B9EF8EB}"/>
+    <pc:docChg chg="undo custSel addSld delSld">
+      <pc:chgData name="saloni yadav" userId="b8d860a0715f03e7" providerId="LiveId" clId="{E7E6963D-A990-4BB7-ABCB-53E28B9EF8EB}" dt="2024-11-19T14:56:02.769" v="3" actId="47"/>
+      <pc:docMkLst>
+        <pc:docMk/>
+      </pc:docMkLst>
+      <pc:sldChg chg="add del">
+        <pc:chgData name="saloni yadav" userId="b8d860a0715f03e7" providerId="LiveId" clId="{E7E6963D-A990-4BB7-ABCB-53E28B9EF8EB}" dt="2024-11-19T14:56:02.769" v="3" actId="47"/>
+        <pc:sldMkLst>
+          <pc:docMk/>
+          <pc:sldMk cId="3913219759" sldId="304"/>
+        </pc:sldMkLst>
+      </pc:sldChg>
+      <pc:sldChg chg="new del">
+        <pc:chgData name="saloni yadav" userId="b8d860a0715f03e7" providerId="LiveId" clId="{E7E6963D-A990-4BB7-ABCB-53E28B9EF8EB}" dt="2024-11-19T14:54:40.269" v="1" actId="680"/>
+        <pc:sldMkLst>
+          <pc:docMk/>
+          <pc:sldMk cId="869766542" sldId="322"/>
+        </pc:sldMkLst>
+      </pc:sldChg>
+    </pc:docChg>
+  </pc:docChgLst>
+</pc:chgInfo>
 </file>
 
 <file path=ppt/handoutMasters/handoutMaster1.xml><?xml version="1.0" encoding="utf-8"?>
@@ -17785,13 +17813,13 @@
   <p:clrMapOvr>
     <a:masterClrMapping/>
   </p:clrMapOvr>
-  <mc:AlternateContent xmlns:mc="http://schemas.openxmlformats.org/markup-compatibility/2006">
-    <mc:Choice xmlns:p14="http://schemas.microsoft.com/office/powerpoint/2010/main" Requires="p14">
+  <mc:AlternateContent xmlns:mc="http://schemas.openxmlformats.org/markup-compatibility/2006" xmlns:p14="http://schemas.microsoft.com/office/powerpoint/2010/main">
+    <mc:Choice Requires="p14">
       <p:transition spd="slow" p14:dur="800">
         <p:circle/>
       </p:transition>
     </mc:Choice>
-    <mc:Fallback>
+    <mc:Fallback xmlns="">
       <p:transition spd="slow">
         <p:circle/>
       </p:transition>
@@ -18114,13 +18142,13 @@
   <p:clrMapOvr>
     <a:masterClrMapping/>
   </p:clrMapOvr>
-  <mc:AlternateContent xmlns:mc="http://schemas.openxmlformats.org/markup-compatibility/2006">
-    <mc:Choice xmlns:p14="http://schemas.microsoft.com/office/powerpoint/2010/main" Requires="p14">
+  <mc:AlternateContent xmlns:mc="http://schemas.openxmlformats.org/markup-compatibility/2006" xmlns:p14="http://schemas.microsoft.com/office/powerpoint/2010/main">
+    <mc:Choice Requires="p14">
       <p:transition spd="slow" p14:dur="800">
         <p:circle/>
       </p:transition>
     </mc:Choice>
-    <mc:Fallback>
+    <mc:Fallback xmlns="">
       <p:transition spd="slow">
         <p:circle/>
       </p:transition>
@@ -18241,13 +18269,13 @@
   <p:clrMapOvr>
     <a:masterClrMapping/>
   </p:clrMapOvr>
-  <mc:AlternateContent xmlns:mc="http://schemas.openxmlformats.org/markup-compatibility/2006">
-    <mc:Choice xmlns:p14="http://schemas.microsoft.com/office/powerpoint/2010/main" Requires="p14">
+  <mc:AlternateContent xmlns:mc="http://schemas.openxmlformats.org/markup-compatibility/2006" xmlns:p14="http://schemas.microsoft.com/office/powerpoint/2010/main">
+    <mc:Choice Requires="p14">
       <p:transition spd="slow" p14:dur="800">
         <p:circle/>
       </p:transition>
     </mc:Choice>
-    <mc:Fallback>
+    <mc:Fallback xmlns="">
       <p:transition spd="slow">
         <p:circle/>
       </p:transition>
@@ -18458,13 +18486,13 @@
   <p:clrMapOvr>
     <a:masterClrMapping/>
   </p:clrMapOvr>
-  <mc:AlternateContent xmlns:mc="http://schemas.openxmlformats.org/markup-compatibility/2006">
-    <mc:Choice xmlns:p14="http://schemas.microsoft.com/office/powerpoint/2010/main" Requires="p14">
+  <mc:AlternateContent xmlns:mc="http://schemas.openxmlformats.org/markup-compatibility/2006" xmlns:p14="http://schemas.microsoft.com/office/powerpoint/2010/main">
+    <mc:Choice Requires="p14">
       <p:transition spd="slow" p14:dur="800">
         <p:circle/>
       </p:transition>
     </mc:Choice>
-    <mc:Fallback>
+    <mc:Fallback xmlns="">
       <p:transition spd="slow">
         <p:circle/>
       </p:transition>
@@ -18808,13 +18836,13 @@
   <p:clrMapOvr>
     <a:masterClrMapping/>
   </p:clrMapOvr>
-  <mc:AlternateContent xmlns:mc="http://schemas.openxmlformats.org/markup-compatibility/2006">
-    <mc:Choice xmlns:p14="http://schemas.microsoft.com/office/powerpoint/2010/main" Requires="p14">
+  <mc:AlternateContent xmlns:mc="http://schemas.openxmlformats.org/markup-compatibility/2006" xmlns:p14="http://schemas.microsoft.com/office/powerpoint/2010/main">
+    <mc:Choice Requires="p14">
       <p:transition spd="slow" p14:dur="800">
         <p:circle/>
       </p:transition>
     </mc:Choice>
-    <mc:Fallback>
+    <mc:Fallback xmlns="">
       <p:transition spd="slow">
         <p:circle/>
       </p:transition>
@@ -18959,13 +18987,13 @@
   <p:clrMapOvr>
     <a:masterClrMapping/>
   </p:clrMapOvr>
-  <mc:AlternateContent xmlns:mc="http://schemas.openxmlformats.org/markup-compatibility/2006">
-    <mc:Choice xmlns:p14="http://schemas.microsoft.com/office/powerpoint/2010/main" Requires="p14">
+  <mc:AlternateContent xmlns:mc="http://schemas.openxmlformats.org/markup-compatibility/2006" xmlns:p14="http://schemas.microsoft.com/office/powerpoint/2010/main">
+    <mc:Choice Requires="p14">
       <p:transition spd="slow" p14:dur="800">
         <p:circle/>
       </p:transition>
     </mc:Choice>
-    <mc:Fallback>
+    <mc:Fallback xmlns="">
       <p:transition spd="slow">
         <p:circle/>
       </p:transition>
@@ -19147,13 +19175,13 @@
   <p:clrMapOvr>
     <a:masterClrMapping/>
   </p:clrMapOvr>
-  <mc:AlternateContent xmlns:mc="http://schemas.openxmlformats.org/markup-compatibility/2006">
-    <mc:Choice xmlns:p14="http://schemas.microsoft.com/office/powerpoint/2010/main" Requires="p14">
+  <mc:AlternateContent xmlns:mc="http://schemas.openxmlformats.org/markup-compatibility/2006" xmlns:p14="http://schemas.microsoft.com/office/powerpoint/2010/main">
+    <mc:Choice Requires="p14">
       <p:transition spd="slow" p14:dur="800">
         <p:circle/>
       </p:transition>
     </mc:Choice>
-    <mc:Fallback>
+    <mc:Fallback xmlns="">
       <p:transition spd="slow">
         <p:circle/>
       </p:transition>
@@ -19319,13 +19347,13 @@
   <p:clrMapOvr>
     <a:masterClrMapping/>
   </p:clrMapOvr>
-  <mc:AlternateContent xmlns:mc="http://schemas.openxmlformats.org/markup-compatibility/2006">
-    <mc:Choice xmlns:p14="http://schemas.microsoft.com/office/powerpoint/2010/main" Requires="p14">
+  <mc:AlternateContent xmlns:mc="http://schemas.openxmlformats.org/markup-compatibility/2006" xmlns:p14="http://schemas.microsoft.com/office/powerpoint/2010/main">
+    <mc:Choice Requires="p14">
       <p:transition spd="slow" p14:dur="800">
         <p:circle/>
       </p:transition>
     </mc:Choice>
-    <mc:Fallback>
+    <mc:Fallback xmlns="">
       <p:transition spd="slow">
         <p:circle/>
       </p:transition>
@@ -19494,13 +19522,13 @@
   <p:clrMapOvr>
     <a:masterClrMapping/>
   </p:clrMapOvr>
-  <mc:AlternateContent xmlns:mc="http://schemas.openxmlformats.org/markup-compatibility/2006">
-    <mc:Choice xmlns:p14="http://schemas.microsoft.com/office/powerpoint/2010/main" Requires="p14">
+  <mc:AlternateContent xmlns:mc="http://schemas.openxmlformats.org/markup-compatibility/2006" xmlns:p14="http://schemas.microsoft.com/office/powerpoint/2010/main">
+    <mc:Choice Requires="p14">
       <p:transition spd="slow" p14:dur="800">
         <p:circle/>
       </p:transition>
     </mc:Choice>
-    <mc:Fallback>
+    <mc:Fallback xmlns="">
       <p:transition spd="slow">
         <p:circle/>
       </p:transition>
@@ -19743,13 +19771,13 @@
   <p:clrMapOvr>
     <a:masterClrMapping/>
   </p:clrMapOvr>
-  <mc:AlternateContent xmlns:mc="http://schemas.openxmlformats.org/markup-compatibility/2006">
-    <mc:Choice xmlns:p14="http://schemas.microsoft.com/office/powerpoint/2010/main" Requires="p14">
+  <mc:AlternateContent xmlns:mc="http://schemas.openxmlformats.org/markup-compatibility/2006" xmlns:p14="http://schemas.microsoft.com/office/powerpoint/2010/main">
+    <mc:Choice Requires="p14">
       <p:transition spd="slow" p14:dur="800">
         <p:circle/>
       </p:transition>
     </mc:Choice>
-    <mc:Fallback>
+    <mc:Fallback xmlns="">
       <p:transition spd="slow">
         <p:circle/>
       </p:transition>
@@ -19967,13 +19995,13 @@
   <p:clrMapOvr>
     <a:masterClrMapping/>
   </p:clrMapOvr>
-  <mc:AlternateContent xmlns:mc="http://schemas.openxmlformats.org/markup-compatibility/2006">
-    <mc:Choice xmlns:p14="http://schemas.microsoft.com/office/powerpoint/2010/main" Requires="p14">
+  <mc:AlternateContent xmlns:mc="http://schemas.openxmlformats.org/markup-compatibility/2006" xmlns:p14="http://schemas.microsoft.com/office/powerpoint/2010/main">
+    <mc:Choice Requires="p14">
       <p:transition spd="slow" p14:dur="800">
         <p:circle/>
       </p:transition>
     </mc:Choice>
-    <mc:Fallback>
+    <mc:Fallback xmlns="">
       <p:transition spd="slow">
         <p:circle/>
       </p:transition>
@@ -20774,35 +20802,6 @@
 </file>
 
 <file path=customXml/item1.xml><?xml version="1.0" encoding="utf-8"?>
-<p:properties xmlns:p="http://schemas.microsoft.com/office/2006/metadata/properties" xmlns:xsi="http://www.w3.org/2001/XMLSchema-instance" xmlns:pc="http://schemas.microsoft.com/office/infopath/2007/PartnerControls">
-  <documentManagement>
-    <_ip_UnifiedCompliancePolicyUIAction xmlns="http://schemas.microsoft.com/sharepoint/v3" xsi:nil="true"/>
-    <Image xmlns="71af3243-3dd4-4a8d-8c0d-dd76da1f02a5">
-      <Url xsi:nil="true"/>
-      <Description xsi:nil="true"/>
-    </Image>
-    <Status xmlns="71af3243-3dd4-4a8d-8c0d-dd76da1f02a5">Not started</Status>
-    <Background xmlns="71af3243-3dd4-4a8d-8c0d-dd76da1f02a5">false</Background>
-    <_ip_UnifiedCompliancePolicyProperties xmlns="http://schemas.microsoft.com/sharepoint/v3" xsi:nil="true"/>
-    <ImageTagsTaxHTField xmlns="71af3243-3dd4-4a8d-8c0d-dd76da1f02a5">
-      <Terms xmlns="http://schemas.microsoft.com/office/infopath/2007/PartnerControls"/>
-    </ImageTagsTaxHTField>
-    <TaxCatchAll xmlns="230e9df3-be65-4c73-a93b-d1236ebd677e" xsi:nil="true"/>
-    <MediaServiceKeyPoints xmlns="71af3243-3dd4-4a8d-8c0d-dd76da1f02a5" xsi:nil="true"/>
-  </documentManagement>
-</p:properties>
-</file>
-
-<file path=customXml/item2.xml><?xml version="1.0" encoding="utf-8"?>
-<?mso-contentType ?>
-<FormTemplates xmlns="http://schemas.microsoft.com/sharepoint/v3/contenttype/forms">
-  <Display>DocumentLibraryForm</Display>
-  <Edit>DocumentLibraryForm</Edit>
-  <New>DocumentLibraryForm</New>
-</FormTemplates>
-</file>
-
-<file path=customXml/item3.xml><?xml version="1.0" encoding="utf-8"?>
 <ct:contentTypeSchema xmlns:ct="http://schemas.microsoft.com/office/2006/metadata/contentType" xmlns:ma="http://schemas.microsoft.com/office/2006/metadata/properties/metaAttributes" ct:_="" ma:_="" ma:contentTypeName="Document" ma:contentTypeID="0x01010079F111ED35F8CC479449609E8A0923A6" ma:contentTypeVersion="28" ma:contentTypeDescription="Create a new document." ma:contentTypeScope="" ma:versionID="60f5a4f2d2b0abadcf532d48ebf9cb71">
   <xsd:schema xmlns:xsd="http://www.w3.org/2001/XMLSchema" xmlns:xs="http://www.w3.org/2001/XMLSchema" xmlns:p="http://schemas.microsoft.com/office/2006/metadata/properties" xmlns:ns1="http://schemas.microsoft.com/sharepoint/v3" xmlns:ns2="71af3243-3dd4-4a8d-8c0d-dd76da1f02a5" xmlns:ns3="16c05727-aa75-4e4a-9b5f-8a80a1165891" xmlns:ns4="230e9df3-be65-4c73-a93b-d1236ebd677e" targetNamespace="http://schemas.microsoft.com/office/2006/metadata/properties" ma:root="true" ma:fieldsID="7dd78129e6a1811f84807ad11c651531" ns1:_="" ns2:_="" ns3:_="" ns4:_="">
     <xsd:import namespace="http://schemas.microsoft.com/sharepoint/v3"/>
@@ -21114,27 +21113,36 @@
 </ct:contentTypeSchema>
 </file>
 
-<file path=customXml/itemProps1.xml><?xml version="1.0" encoding="utf-8"?>
-<ds:datastoreItem xmlns:ds="http://schemas.openxmlformats.org/officeDocument/2006/customXml" ds:itemID="{BA719FA4-954C-4FA8-82CB-206659C3B826}">
-  <ds:schemaRefs>
-    <ds:schemaRef ds:uri="http://schemas.microsoft.com/office/2006/metadata/properties"/>
-    <ds:schemaRef ds:uri="http://schemas.microsoft.com/office/infopath/2007/PartnerControls"/>
-    <ds:schemaRef ds:uri="http://schemas.microsoft.com/sharepoint/v3"/>
-    <ds:schemaRef ds:uri="71af3243-3dd4-4a8d-8c0d-dd76da1f02a5"/>
-    <ds:schemaRef ds:uri="230e9df3-be65-4c73-a93b-d1236ebd677e"/>
-  </ds:schemaRefs>
-</ds:datastoreItem>
+<file path=customXml/item2.xml><?xml version="1.0" encoding="utf-8"?>
+<?mso-contentType ?>
+<FormTemplates xmlns="http://schemas.microsoft.com/sharepoint/v3/contenttype/forms">
+  <Display>DocumentLibraryForm</Display>
+  <Edit>DocumentLibraryForm</Edit>
+  <New>DocumentLibraryForm</New>
+</FormTemplates>
 </file>
 
-<file path=customXml/itemProps2.xml><?xml version="1.0" encoding="utf-8"?>
-<ds:datastoreItem xmlns:ds="http://schemas.openxmlformats.org/officeDocument/2006/customXml" ds:itemID="{16DBB56F-4362-4386-A1A1-3DF898896616}">
-  <ds:schemaRefs>
-    <ds:schemaRef ds:uri="http://schemas.microsoft.com/sharepoint/v3/contenttype/forms"/>
-  </ds:schemaRefs>
-</ds:datastoreItem>
+<file path=customXml/item3.xml><?xml version="1.0" encoding="utf-8"?>
+<p:properties xmlns:p="http://schemas.microsoft.com/office/2006/metadata/properties" xmlns:xsi="http://www.w3.org/2001/XMLSchema-instance" xmlns:pc="http://schemas.microsoft.com/office/infopath/2007/PartnerControls">
+  <documentManagement>
+    <_ip_UnifiedCompliancePolicyUIAction xmlns="http://schemas.microsoft.com/sharepoint/v3" xsi:nil="true"/>
+    <Image xmlns="71af3243-3dd4-4a8d-8c0d-dd76da1f02a5">
+      <Url xsi:nil="true"/>
+      <Description xsi:nil="true"/>
+    </Image>
+    <Status xmlns="71af3243-3dd4-4a8d-8c0d-dd76da1f02a5">Not started</Status>
+    <Background xmlns="71af3243-3dd4-4a8d-8c0d-dd76da1f02a5">false</Background>
+    <_ip_UnifiedCompliancePolicyProperties xmlns="http://schemas.microsoft.com/sharepoint/v3" xsi:nil="true"/>
+    <ImageTagsTaxHTField xmlns="71af3243-3dd4-4a8d-8c0d-dd76da1f02a5">
+      <Terms xmlns="http://schemas.microsoft.com/office/infopath/2007/PartnerControls"/>
+    </ImageTagsTaxHTField>
+    <TaxCatchAll xmlns="230e9df3-be65-4c73-a93b-d1236ebd677e" xsi:nil="true"/>
+    <MediaServiceKeyPoints xmlns="71af3243-3dd4-4a8d-8c0d-dd76da1f02a5" xsi:nil="true"/>
+  </documentManagement>
+</p:properties>
 </file>
 
-<file path=customXml/itemProps3.xml><?xml version="1.0" encoding="utf-8"?>
+<file path=customXml/itemProps1.xml><?xml version="1.0" encoding="utf-8"?>
 <ds:datastoreItem xmlns:ds="http://schemas.openxmlformats.org/officeDocument/2006/customXml" ds:itemID="{04948363-B267-4BAC-8655-100FBEC280C1}">
   <ds:schemaRefs>
     <ds:schemaRef ds:uri="http://schemas.microsoft.com/office/2006/metadata/contentType"/>
@@ -21155,6 +21163,26 @@
 </ds:datastoreItem>
 </file>
 
+<file path=customXml/itemProps2.xml><?xml version="1.0" encoding="utf-8"?>
+<ds:datastoreItem xmlns:ds="http://schemas.openxmlformats.org/officeDocument/2006/customXml" ds:itemID="{16DBB56F-4362-4386-A1A1-3DF898896616}">
+  <ds:schemaRefs>
+    <ds:schemaRef ds:uri="http://schemas.microsoft.com/sharepoint/v3/contenttype/forms"/>
+  </ds:schemaRefs>
+</ds:datastoreItem>
+</file>
+
+<file path=customXml/itemProps3.xml><?xml version="1.0" encoding="utf-8"?>
+<ds:datastoreItem xmlns:ds="http://schemas.openxmlformats.org/officeDocument/2006/customXml" ds:itemID="{BA719FA4-954C-4FA8-82CB-206659C3B826}">
+  <ds:schemaRefs>
+    <ds:schemaRef ds:uri="http://schemas.microsoft.com/office/2006/metadata/properties"/>
+    <ds:schemaRef ds:uri="http://schemas.microsoft.com/office/infopath/2007/PartnerControls"/>
+    <ds:schemaRef ds:uri="http://schemas.microsoft.com/sharepoint/v3"/>
+    <ds:schemaRef ds:uri="71af3243-3dd4-4a8d-8c0d-dd76da1f02a5"/>
+    <ds:schemaRef ds:uri="230e9df3-be65-4c73-a93b-d1236ebd677e"/>
+  </ds:schemaRefs>
+</ds:datastoreItem>
+</file>
+
 <file path=docMetadata/LabelInfo.xml><?xml version="1.0" encoding="utf-8"?>
 <clbl:labelList xmlns:clbl="http://schemas.microsoft.com/office/2020/mipLabelMetadata"/>
 </file>
--- a/Soft Skill/Assignment 3/Campus to corporate ppt.pptx
+++ b/Soft Skill/Assignment 3/Campus to corporate ppt.pptx
@@ -254,6 +254,22 @@
       </pc:sldChg>
     </pc:docChg>
   </pc:docChgLst>
+  <pc:docChgLst>
+    <pc:chgData name="saloni yadav" userId="b8d860a0715f03e7" providerId="LiveId" clId="{D2D44039-EB7A-47DC-9B00-88E0BC44F74F}"/>
+    <pc:docChg chg="modSld sldOrd">
+      <pc:chgData name="saloni yadav" userId="b8d860a0715f03e7" providerId="LiveId" clId="{D2D44039-EB7A-47DC-9B00-88E0BC44F74F}" dt="2024-12-18T11:32:10.868" v="3"/>
+      <pc:docMkLst>
+        <pc:docMk/>
+      </pc:docMkLst>
+      <pc:sldChg chg="ord">
+        <pc:chgData name="saloni yadav" userId="b8d860a0715f03e7" providerId="LiveId" clId="{D2D44039-EB7A-47DC-9B00-88E0BC44F74F}" dt="2024-12-18T11:32:10.868" v="3"/>
+        <pc:sldMkLst>
+          <pc:docMk/>
+          <pc:sldMk cId="3913219759" sldId="304"/>
+        </pc:sldMkLst>
+      </pc:sldChg>
+    </pc:docChg>
+  </pc:docChgLst>
 </pc:chgInfo>
 </file>
 
@@ -351,7 +367,7 @@
           <a:p>
             <a:fld id="{AA970FB6-164E-0840-A35B-09E9F3D45F76}" type="datetimeyyyy">
               <a:rPr lang="en-US" smtClean="0"/>
-              <a:t>2024</a:t>
+              <a:t>2025</a:t>
             </a:fld>
             <a:endParaRPr lang="en-US" dirty="0"/>
           </a:p>
